--- a/1.2.Leadership_for_Sus_Dev/FProject/Final_Project_Report/Figures/Presentation1.pptx
+++ b/1.2.Leadership_for_Sus_Dev/FProject/Final_Project_Report/Figures/Presentation1.pptx
@@ -6,6 +6,7 @@
   </p:sldMasterIdLst>
   <p:sldIdLst>
     <p:sldId id="256" r:id="rId2"/>
+    <p:sldId id="257" r:id="rId3"/>
   </p:sldIdLst>
   <p:sldSz cx="12192000" cy="6858000"/>
   <p:notesSz cx="6858000" cy="9144000"/>
@@ -121,6 +122,235 @@
     </p:ext>
   </p:extLst>
 </p:presentation>
+</file>
+
+<file path=ppt/revisionInfo.xml><?xml version="1.0" encoding="utf-8"?>
+<p1510:revInfo xmlns:a="http://schemas.openxmlformats.org/drawingml/2006/main" xmlns:r="http://schemas.openxmlformats.org/officeDocument/2006/relationships" xmlns:p1510="http://schemas.microsoft.com/office/powerpoint/2015/10/main">
+  <p1510:revLst>
+    <p1510:client id="{82F6DBA0-5855-4253-B624-200275FA2DBD}" v="24" dt="2019-05-11T21:39:51.548"/>
+  </p1510:revLst>
+</p1510:revInfo>
+</file>
+
+<file path=ppt/changesInfos/changesInfo1.xml><?xml version="1.0" encoding="utf-8"?>
+<pc:chgInfo xmlns:a="http://schemas.openxmlformats.org/drawingml/2006/main" xmlns:r="http://schemas.openxmlformats.org/officeDocument/2006/relationships" xmlns:ac="http://schemas.microsoft.com/office/drawing/2013/main/command" xmlns:pc="http://schemas.microsoft.com/office/powerpoint/2013/main/command">
+  <pc:docChgLst>
+    <pc:chgData name="Antonio Osamu Katagiri Tanaka" userId="2c28225e-d492-4964-8551-1b0a3c65dda0" providerId="ADAL" clId="{82F6DBA0-5855-4253-B624-200275FA2DBD}"/>
+    <pc:docChg chg="undo custSel addSld modSld">
+      <pc:chgData name="Antonio Osamu Katagiri Tanaka" userId="2c28225e-d492-4964-8551-1b0a3c65dda0" providerId="ADAL" clId="{82F6DBA0-5855-4253-B624-200275FA2DBD}" dt="2019-05-11T21:39:51.548" v="252" actId="11529"/>
+      <pc:docMkLst>
+        <pc:docMk/>
+      </pc:docMkLst>
+      <pc:sldChg chg="addSp delSp modSp add">
+        <pc:chgData name="Antonio Osamu Katagiri Tanaka" userId="2c28225e-d492-4964-8551-1b0a3c65dda0" providerId="ADAL" clId="{82F6DBA0-5855-4253-B624-200275FA2DBD}" dt="2019-05-11T21:39:51.548" v="252" actId="11529"/>
+        <pc:sldMkLst>
+          <pc:docMk/>
+          <pc:sldMk cId="2674270213" sldId="257"/>
+        </pc:sldMkLst>
+        <pc:spChg chg="add del mod">
+          <ac:chgData name="Antonio Osamu Katagiri Tanaka" userId="2c28225e-d492-4964-8551-1b0a3c65dda0" providerId="ADAL" clId="{82F6DBA0-5855-4253-B624-200275FA2DBD}" dt="2019-05-11T21:37:10.239" v="215" actId="207"/>
+          <ac:spMkLst>
+            <pc:docMk/>
+            <pc:sldMk cId="2674270213" sldId="257"/>
+            <ac:spMk id="8" creationId="{E36C4914-5D94-44D0-B7FE-52F0849C85B4}"/>
+          </ac:spMkLst>
+        </pc:spChg>
+        <pc:spChg chg="add mod">
+          <ac:chgData name="Antonio Osamu Katagiri Tanaka" userId="2c28225e-d492-4964-8551-1b0a3c65dda0" providerId="ADAL" clId="{82F6DBA0-5855-4253-B624-200275FA2DBD}" dt="2019-05-11T21:37:10.239" v="215" actId="207"/>
+          <ac:spMkLst>
+            <pc:docMk/>
+            <pc:sldMk cId="2674270213" sldId="257"/>
+            <ac:spMk id="9" creationId="{1AAB9FD5-3F2B-4E3E-804D-AAE166BEA4DB}"/>
+          </ac:spMkLst>
+        </pc:spChg>
+        <pc:spChg chg="add mod">
+          <ac:chgData name="Antonio Osamu Katagiri Tanaka" userId="2c28225e-d492-4964-8551-1b0a3c65dda0" providerId="ADAL" clId="{82F6DBA0-5855-4253-B624-200275FA2DBD}" dt="2019-05-11T21:37:35.909" v="217" actId="207"/>
+          <ac:spMkLst>
+            <pc:docMk/>
+            <pc:sldMk cId="2674270213" sldId="257"/>
+            <ac:spMk id="10" creationId="{80BEDF91-9381-48D7-8E57-558B3ECAEB19}"/>
+          </ac:spMkLst>
+        </pc:spChg>
+        <pc:spChg chg="add mod">
+          <ac:chgData name="Antonio Osamu Katagiri Tanaka" userId="2c28225e-d492-4964-8551-1b0a3c65dda0" providerId="ADAL" clId="{82F6DBA0-5855-4253-B624-200275FA2DBD}" dt="2019-05-11T21:37:25.380" v="216" actId="207"/>
+          <ac:spMkLst>
+            <pc:docMk/>
+            <pc:sldMk cId="2674270213" sldId="257"/>
+            <ac:spMk id="12" creationId="{62EB11AF-962F-42BA-84ED-5CE00653B00E}"/>
+          </ac:spMkLst>
+        </pc:spChg>
+        <pc:spChg chg="add del">
+          <ac:chgData name="Antonio Osamu Katagiri Tanaka" userId="2c28225e-d492-4964-8551-1b0a3c65dda0" providerId="ADAL" clId="{82F6DBA0-5855-4253-B624-200275FA2DBD}" dt="2019-05-11T21:29:30.556" v="3" actId="478"/>
+          <ac:spMkLst>
+            <pc:docMk/>
+            <pc:sldMk cId="2674270213" sldId="257"/>
+            <ac:spMk id="13" creationId="{250B37F6-57F0-4552-92EC-6FEBD6F38E0C}"/>
+          </ac:spMkLst>
+        </pc:spChg>
+        <pc:spChg chg="add mod">
+          <ac:chgData name="Antonio Osamu Katagiri Tanaka" userId="2c28225e-d492-4964-8551-1b0a3c65dda0" providerId="ADAL" clId="{82F6DBA0-5855-4253-B624-200275FA2DBD}" dt="2019-05-11T21:37:25.380" v="216" actId="207"/>
+          <ac:spMkLst>
+            <pc:docMk/>
+            <pc:sldMk cId="2674270213" sldId="257"/>
+            <ac:spMk id="14" creationId="{7D793984-27D0-4DD6-9403-A33A85D871A9}"/>
+          </ac:spMkLst>
+        </pc:spChg>
+        <pc:spChg chg="add mod">
+          <ac:chgData name="Antonio Osamu Katagiri Tanaka" userId="2c28225e-d492-4964-8551-1b0a3c65dda0" providerId="ADAL" clId="{82F6DBA0-5855-4253-B624-200275FA2DBD}" dt="2019-05-11T21:35:39.452" v="207" actId="1076"/>
+          <ac:spMkLst>
+            <pc:docMk/>
+            <pc:sldMk cId="2674270213" sldId="257"/>
+            <ac:spMk id="15" creationId="{25A1A419-1303-4A9C-AD27-A8D6E96213EF}"/>
+          </ac:spMkLst>
+        </pc:spChg>
+        <pc:spChg chg="add del">
+          <ac:chgData name="Antonio Osamu Katagiri Tanaka" userId="2c28225e-d492-4964-8551-1b0a3c65dda0" providerId="ADAL" clId="{82F6DBA0-5855-4253-B624-200275FA2DBD}" dt="2019-05-11T21:29:30.556" v="3" actId="478"/>
+          <ac:spMkLst>
+            <pc:docMk/>
+            <pc:sldMk cId="2674270213" sldId="257"/>
+            <ac:spMk id="16" creationId="{14A25E95-6754-449F-A558-B430E15823BD}"/>
+          </ac:spMkLst>
+        </pc:spChg>
+        <pc:spChg chg="add mod">
+          <ac:chgData name="Antonio Osamu Katagiri Tanaka" userId="2c28225e-d492-4964-8551-1b0a3c65dda0" providerId="ADAL" clId="{82F6DBA0-5855-4253-B624-200275FA2DBD}" dt="2019-05-11T21:35:39.452" v="207" actId="1076"/>
+          <ac:spMkLst>
+            <pc:docMk/>
+            <pc:sldMk cId="2674270213" sldId="257"/>
+            <ac:spMk id="17" creationId="{15228E28-6F0C-45DD-BBD0-395CFEE797EC}"/>
+          </ac:spMkLst>
+        </pc:spChg>
+        <pc:spChg chg="add mod">
+          <ac:chgData name="Antonio Osamu Katagiri Tanaka" userId="2c28225e-d492-4964-8551-1b0a3c65dda0" providerId="ADAL" clId="{82F6DBA0-5855-4253-B624-200275FA2DBD}" dt="2019-05-11T21:35:39.452" v="207" actId="1076"/>
+          <ac:spMkLst>
+            <pc:docMk/>
+            <pc:sldMk cId="2674270213" sldId="257"/>
+            <ac:spMk id="19" creationId="{A1CFA834-422E-46B6-BC89-FB7962208CEB}"/>
+          </ac:spMkLst>
+        </pc:spChg>
+        <pc:spChg chg="add del">
+          <ac:chgData name="Antonio Osamu Katagiri Tanaka" userId="2c28225e-d492-4964-8551-1b0a3c65dda0" providerId="ADAL" clId="{82F6DBA0-5855-4253-B624-200275FA2DBD}" dt="2019-05-11T21:29:30.556" v="3" actId="478"/>
+          <ac:spMkLst>
+            <pc:docMk/>
+            <pc:sldMk cId="2674270213" sldId="257"/>
+            <ac:spMk id="25" creationId="{772F0906-6C32-47B8-8BD8-17BE30385532}"/>
+          </ac:spMkLst>
+        </pc:spChg>
+        <pc:spChg chg="add mod">
+          <ac:chgData name="Antonio Osamu Katagiri Tanaka" userId="2c28225e-d492-4964-8551-1b0a3c65dda0" providerId="ADAL" clId="{82F6DBA0-5855-4253-B624-200275FA2DBD}" dt="2019-05-11T21:38:19.759" v="229" actId="1076"/>
+          <ac:spMkLst>
+            <pc:docMk/>
+            <pc:sldMk cId="2674270213" sldId="257"/>
+            <ac:spMk id="41" creationId="{5691574C-5610-42D0-8F5B-C5F8668FEDD3}"/>
+          </ac:spMkLst>
+        </pc:spChg>
+        <pc:spChg chg="add mod">
+          <ac:chgData name="Antonio Osamu Katagiri Tanaka" userId="2c28225e-d492-4964-8551-1b0a3c65dda0" providerId="ADAL" clId="{82F6DBA0-5855-4253-B624-200275FA2DBD}" dt="2019-05-11T21:38:45.537" v="240" actId="1076"/>
+          <ac:spMkLst>
+            <pc:docMk/>
+            <pc:sldMk cId="2674270213" sldId="257"/>
+            <ac:spMk id="44" creationId="{C626FBE1-11BF-4B6A-ACCE-E618FDE7CF98}"/>
+          </ac:spMkLst>
+        </pc:spChg>
+        <pc:spChg chg="add mod">
+          <ac:chgData name="Antonio Osamu Katagiri Tanaka" userId="2c28225e-d492-4964-8551-1b0a3c65dda0" providerId="ADAL" clId="{82F6DBA0-5855-4253-B624-200275FA2DBD}" dt="2019-05-11T21:39:09.626" v="251" actId="20577"/>
+          <ac:spMkLst>
+            <pc:docMk/>
+            <pc:sldMk cId="2674270213" sldId="257"/>
+            <ac:spMk id="46" creationId="{67BB7BAF-3EBD-46B6-B43E-8339DF9B64E4}"/>
+          </ac:spMkLst>
+        </pc:spChg>
+        <pc:cxnChg chg="add mod">
+          <ac:chgData name="Antonio Osamu Katagiri Tanaka" userId="2c28225e-d492-4964-8551-1b0a3c65dda0" providerId="ADAL" clId="{82F6DBA0-5855-4253-B624-200275FA2DBD}" dt="2019-05-11T21:35:53.316" v="208" actId="11529"/>
+          <ac:cxnSpMkLst>
+            <pc:docMk/>
+            <pc:sldMk cId="2674270213" sldId="257"/>
+            <ac:cxnSpMk id="3" creationId="{E15E29B9-CFEA-430F-AF4C-E9F8BFEA99FD}"/>
+          </ac:cxnSpMkLst>
+        </pc:cxnChg>
+        <pc:cxnChg chg="add mod">
+          <ac:chgData name="Antonio Osamu Katagiri Tanaka" userId="2c28225e-d492-4964-8551-1b0a3c65dda0" providerId="ADAL" clId="{82F6DBA0-5855-4253-B624-200275FA2DBD}" dt="2019-05-11T21:36:04.536" v="209" actId="11529"/>
+          <ac:cxnSpMkLst>
+            <pc:docMk/>
+            <pc:sldMk cId="2674270213" sldId="257"/>
+            <ac:cxnSpMk id="5" creationId="{97566CD6-5AE0-4B4D-8C94-57F00DA253FD}"/>
+          </ac:cxnSpMkLst>
+        </pc:cxnChg>
+        <pc:cxnChg chg="add mod">
+          <ac:chgData name="Antonio Osamu Katagiri Tanaka" userId="2c28225e-d492-4964-8551-1b0a3c65dda0" providerId="ADAL" clId="{82F6DBA0-5855-4253-B624-200275FA2DBD}" dt="2019-05-11T21:36:13.653" v="210" actId="11529"/>
+          <ac:cxnSpMkLst>
+            <pc:docMk/>
+            <pc:sldMk cId="2674270213" sldId="257"/>
+            <ac:cxnSpMk id="7" creationId="{EE287D0F-F418-445E-8574-C7CF38DE8B80}"/>
+          </ac:cxnSpMkLst>
+        </pc:cxnChg>
+        <pc:cxnChg chg="add del mod">
+          <ac:chgData name="Antonio Osamu Katagiri Tanaka" userId="2c28225e-d492-4964-8551-1b0a3c65dda0" providerId="ADAL" clId="{82F6DBA0-5855-4253-B624-200275FA2DBD}" dt="2019-05-11T21:29:30.556" v="3" actId="478"/>
+          <ac:cxnSpMkLst>
+            <pc:docMk/>
+            <pc:sldMk cId="2674270213" sldId="257"/>
+            <ac:cxnSpMk id="11" creationId="{FCD8929E-E8BE-4012-986C-DAF589124FE7}"/>
+          </ac:cxnSpMkLst>
+        </pc:cxnChg>
+        <pc:cxnChg chg="add del mod">
+          <ac:chgData name="Antonio Osamu Katagiri Tanaka" userId="2c28225e-d492-4964-8551-1b0a3c65dda0" providerId="ADAL" clId="{82F6DBA0-5855-4253-B624-200275FA2DBD}" dt="2019-05-11T21:29:30.556" v="3" actId="478"/>
+          <ac:cxnSpMkLst>
+            <pc:docMk/>
+            <pc:sldMk cId="2674270213" sldId="257"/>
+            <ac:cxnSpMk id="18" creationId="{752812D6-1F0D-491D-8B95-252493D92BCE}"/>
+          </ac:cxnSpMkLst>
+        </pc:cxnChg>
+        <pc:cxnChg chg="add del mod">
+          <ac:chgData name="Antonio Osamu Katagiri Tanaka" userId="2c28225e-d492-4964-8551-1b0a3c65dda0" providerId="ADAL" clId="{82F6DBA0-5855-4253-B624-200275FA2DBD}" dt="2019-05-11T21:29:30.556" v="3" actId="478"/>
+          <ac:cxnSpMkLst>
+            <pc:docMk/>
+            <pc:sldMk cId="2674270213" sldId="257"/>
+            <ac:cxnSpMk id="20" creationId="{7283CA52-503A-4298-BD82-5C622418B70D}"/>
+          </ac:cxnSpMkLst>
+        </pc:cxnChg>
+        <pc:cxnChg chg="add mod">
+          <ac:chgData name="Antonio Osamu Katagiri Tanaka" userId="2c28225e-d492-4964-8551-1b0a3c65dda0" providerId="ADAL" clId="{82F6DBA0-5855-4253-B624-200275FA2DBD}" dt="2019-05-11T21:36:23.956" v="211" actId="11529"/>
+          <ac:cxnSpMkLst>
+            <pc:docMk/>
+            <pc:sldMk cId="2674270213" sldId="257"/>
+            <ac:cxnSpMk id="22" creationId="{46492C0A-9B17-4AFF-AFDD-4E018F0CC608}"/>
+          </ac:cxnSpMkLst>
+        </pc:cxnChg>
+        <pc:cxnChg chg="add mod">
+          <ac:chgData name="Antonio Osamu Katagiri Tanaka" userId="2c28225e-d492-4964-8551-1b0a3c65dda0" providerId="ADAL" clId="{82F6DBA0-5855-4253-B624-200275FA2DBD}" dt="2019-05-11T21:36:32.582" v="212" actId="11529"/>
+          <ac:cxnSpMkLst>
+            <pc:docMk/>
+            <pc:sldMk cId="2674270213" sldId="257"/>
+            <ac:cxnSpMk id="24" creationId="{BF7D7D7F-37ED-4D85-B058-0F51A16B761C}"/>
+          </ac:cxnSpMkLst>
+        </pc:cxnChg>
+        <pc:cxnChg chg="add mod">
+          <ac:chgData name="Antonio Osamu Katagiri Tanaka" userId="2c28225e-d492-4964-8551-1b0a3c65dda0" providerId="ADAL" clId="{82F6DBA0-5855-4253-B624-200275FA2DBD}" dt="2019-05-11T21:36:41.890" v="213" actId="11529"/>
+          <ac:cxnSpMkLst>
+            <pc:docMk/>
+            <pc:sldMk cId="2674270213" sldId="257"/>
+            <ac:cxnSpMk id="27" creationId="{29E9CEBB-5C61-48BE-8C7E-0D0D8F362E4D}"/>
+          </ac:cxnSpMkLst>
+        </pc:cxnChg>
+        <pc:cxnChg chg="add mod">
+          <ac:chgData name="Antonio Osamu Katagiri Tanaka" userId="2c28225e-d492-4964-8551-1b0a3c65dda0" providerId="ADAL" clId="{82F6DBA0-5855-4253-B624-200275FA2DBD}" dt="2019-05-11T21:36:51.752" v="214" actId="11529"/>
+          <ac:cxnSpMkLst>
+            <pc:docMk/>
+            <pc:sldMk cId="2674270213" sldId="257"/>
+            <ac:cxnSpMk id="29" creationId="{288C5917-D127-48D9-A949-9921B0AC1C20}"/>
+          </ac:cxnSpMkLst>
+        </pc:cxnChg>
+        <pc:cxnChg chg="add mod">
+          <ac:chgData name="Antonio Osamu Katagiri Tanaka" userId="2c28225e-d492-4964-8551-1b0a3c65dda0" providerId="ADAL" clId="{82F6DBA0-5855-4253-B624-200275FA2DBD}" dt="2019-05-11T21:39:51.548" v="252" actId="11529"/>
+          <ac:cxnSpMkLst>
+            <pc:docMk/>
+            <pc:sldMk cId="2674270213" sldId="257"/>
+            <ac:cxnSpMk id="48" creationId="{1AF45191-1EDC-4357-8C5F-3C597948EAA8}"/>
+          </ac:cxnSpMkLst>
+        </pc:cxnChg>
+      </pc:sldChg>
+    </pc:docChg>
+  </pc:docChgLst>
+</pc:chgInfo>
 </file>
 
 <file path=ppt/slideLayouts/slideLayout1.xml><?xml version="1.0" encoding="utf-8"?>
@@ -4143,6 +4373,844 @@
 </p:sld>
 </file>
 
+<file path=ppt/slides/slide2.xml><?xml version="1.0" encoding="utf-8"?>
+<p:sld xmlns:a="http://schemas.openxmlformats.org/drawingml/2006/main" xmlns:r="http://schemas.openxmlformats.org/officeDocument/2006/relationships" xmlns:p="http://schemas.openxmlformats.org/presentationml/2006/main">
+  <p:cSld>
+    <p:spTree>
+      <p:nvGrpSpPr>
+        <p:cNvPr id="1" name=""/>
+        <p:cNvGrpSpPr/>
+        <p:nvPr/>
+      </p:nvGrpSpPr>
+      <p:grpSpPr>
+        <a:xfrm>
+          <a:off x="0" y="0"/>
+          <a:ext cx="0" cy="0"/>
+          <a:chOff x="0" y="0"/>
+          <a:chExt cx="0" cy="0"/>
+        </a:xfrm>
+      </p:grpSpPr>
+      <p:sp>
+        <p:nvSpPr>
+          <p:cNvPr id="8" name="TextBox 7">
+            <a:extLst>
+              <a:ext uri="{FF2B5EF4-FFF2-40B4-BE49-F238E27FC236}">
+                <a16:creationId xmlns:a16="http://schemas.microsoft.com/office/drawing/2014/main" id="{E36C4914-5D94-44D0-B7FE-52F0849C85B4}"/>
+              </a:ext>
+            </a:extLst>
+          </p:cNvPr>
+          <p:cNvSpPr txBox="1"/>
+          <p:nvPr/>
+        </p:nvSpPr>
+        <p:spPr>
+          <a:xfrm>
+            <a:off x="3085596" y="735809"/>
+            <a:ext cx="6020808" cy="307777"/>
+          </a:xfrm>
+          <a:prstGeom prst="rect">
+            <a:avLst/>
+          </a:prstGeom>
+        </p:spPr>
+        <p:txBody>
+          <a:bodyPr wrap="square" rtlCol="0">
+            <a:spAutoFit/>
+          </a:bodyPr>
+          <a:lstStyle/>
+          <a:p>
+            <a:pPr algn="ctr"/>
+            <a:r>
+              <a:rPr lang="en-GB" sz="1400" b="1" dirty="0">
+                <a:solidFill>
+                  <a:srgbClr val="00B050"/>
+                </a:solidFill>
+                <a:latin typeface="Arial" panose="020B0604020202020204" pitchFamily="34" charset="0"/>
+                <a:cs typeface="Arial" panose="020B0604020202020204" pitchFamily="34" charset="0"/>
+              </a:rPr>
+              <a:t>Seed Producers</a:t>
+            </a:r>
+          </a:p>
+        </p:txBody>
+      </p:sp>
+      <p:sp>
+        <p:nvSpPr>
+          <p:cNvPr id="9" name="TextBox 8">
+            <a:extLst>
+              <a:ext uri="{FF2B5EF4-FFF2-40B4-BE49-F238E27FC236}">
+                <a16:creationId xmlns:a16="http://schemas.microsoft.com/office/drawing/2014/main" id="{1AAB9FD5-3F2B-4E3E-804D-AAE166BEA4DB}"/>
+              </a:ext>
+            </a:extLst>
+          </p:cNvPr>
+          <p:cNvSpPr txBox="1"/>
+          <p:nvPr/>
+        </p:nvSpPr>
+        <p:spPr>
+          <a:xfrm>
+            <a:off x="3085596" y="1504680"/>
+            <a:ext cx="6020808" cy="307777"/>
+          </a:xfrm>
+          <a:prstGeom prst="rect">
+            <a:avLst/>
+          </a:prstGeom>
+          <a:noFill/>
+        </p:spPr>
+        <p:txBody>
+          <a:bodyPr wrap="square" rtlCol="0">
+            <a:spAutoFit/>
+          </a:bodyPr>
+          <a:lstStyle/>
+          <a:p>
+            <a:pPr algn="ctr"/>
+            <a:r>
+              <a:rPr lang="es-MX" sz="1400" b="1" dirty="0">
+                <a:solidFill>
+                  <a:srgbClr val="00B050"/>
+                </a:solidFill>
+                <a:latin typeface="Arial" panose="020B0604020202020204" pitchFamily="34" charset="0"/>
+                <a:cs typeface="Arial" panose="020B0604020202020204" pitchFamily="34" charset="0"/>
+              </a:rPr>
+              <a:t>(peri-</a:t>
+            </a:r>
+            <a:r>
+              <a:rPr lang="en-GB" sz="1400" b="1" dirty="0">
+                <a:solidFill>
+                  <a:srgbClr val="00B050"/>
+                </a:solidFill>
+                <a:latin typeface="Arial" panose="020B0604020202020204" pitchFamily="34" charset="0"/>
+                <a:cs typeface="Arial" panose="020B0604020202020204" pitchFamily="34" charset="0"/>
+              </a:rPr>
+              <a:t>)Urban Farms</a:t>
+            </a:r>
+            <a:endParaRPr lang="en-GB" sz="1400" dirty="0">
+              <a:solidFill>
+                <a:srgbClr val="00B050"/>
+              </a:solidFill>
+              <a:latin typeface="Arial" panose="020B0604020202020204" pitchFamily="34" charset="0"/>
+              <a:cs typeface="Arial" panose="020B0604020202020204" pitchFamily="34" charset="0"/>
+            </a:endParaRPr>
+          </a:p>
+        </p:txBody>
+      </p:sp>
+      <p:sp>
+        <p:nvSpPr>
+          <p:cNvPr id="10" name="TextBox 9">
+            <a:extLst>
+              <a:ext uri="{FF2B5EF4-FFF2-40B4-BE49-F238E27FC236}">
+                <a16:creationId xmlns:a16="http://schemas.microsoft.com/office/drawing/2014/main" id="{80BEDF91-9381-48D7-8E57-558B3ECAEB19}"/>
+              </a:ext>
+            </a:extLst>
+          </p:cNvPr>
+          <p:cNvSpPr txBox="1"/>
+          <p:nvPr/>
+        </p:nvSpPr>
+        <p:spPr>
+          <a:xfrm>
+            <a:off x="7150311" y="2255490"/>
+            <a:ext cx="1956093" cy="307777"/>
+          </a:xfrm>
+          <a:prstGeom prst="rect">
+            <a:avLst/>
+          </a:prstGeom>
+        </p:spPr>
+        <p:txBody>
+          <a:bodyPr wrap="square" rtlCol="0">
+            <a:spAutoFit/>
+          </a:bodyPr>
+          <a:lstStyle/>
+          <a:p>
+            <a:pPr algn="r"/>
+            <a:r>
+              <a:rPr lang="en-GB" sz="1400" b="1" dirty="0">
+                <a:solidFill>
+                  <a:schemeClr val="bg1">
+                    <a:lumMod val="50000"/>
+                  </a:schemeClr>
+                </a:solidFill>
+                <a:latin typeface="Arial" panose="020B0604020202020204" pitchFamily="34" charset="0"/>
+                <a:cs typeface="Arial" panose="020B0604020202020204" pitchFamily="34" charset="0"/>
+              </a:rPr>
+              <a:t>Transport Operators</a:t>
+            </a:r>
+          </a:p>
+        </p:txBody>
+      </p:sp>
+      <p:sp>
+        <p:nvSpPr>
+          <p:cNvPr id="12" name="TextBox 11">
+            <a:extLst>
+              <a:ext uri="{FF2B5EF4-FFF2-40B4-BE49-F238E27FC236}">
+                <a16:creationId xmlns:a16="http://schemas.microsoft.com/office/drawing/2014/main" id="{62EB11AF-962F-42BA-84ED-5CE00653B00E}"/>
+              </a:ext>
+            </a:extLst>
+          </p:cNvPr>
+          <p:cNvSpPr txBox="1"/>
+          <p:nvPr/>
+        </p:nvSpPr>
+        <p:spPr>
+          <a:xfrm>
+            <a:off x="3085596" y="3000675"/>
+            <a:ext cx="6020810" cy="307777"/>
+          </a:xfrm>
+          <a:prstGeom prst="rect">
+            <a:avLst/>
+          </a:prstGeom>
+        </p:spPr>
+        <p:txBody>
+          <a:bodyPr wrap="square" rtlCol="0">
+            <a:spAutoFit/>
+          </a:bodyPr>
+          <a:lstStyle/>
+          <a:p>
+            <a:pPr algn="ctr"/>
+            <a:r>
+              <a:rPr lang="en-GB" sz="1400" b="1" dirty="0">
+                <a:solidFill>
+                  <a:srgbClr val="0070C0"/>
+                </a:solidFill>
+                <a:latin typeface="Arial" panose="020B0604020202020204" pitchFamily="34" charset="0"/>
+                <a:cs typeface="Arial" panose="020B0604020202020204" pitchFamily="34" charset="0"/>
+              </a:rPr>
+              <a:t>Whole-</a:t>
+            </a:r>
+            <a:r>
+              <a:rPr lang="en-GB" sz="1400" b="1" dirty="0" err="1">
+                <a:solidFill>
+                  <a:srgbClr val="0070C0"/>
+                </a:solidFill>
+                <a:latin typeface="Arial" panose="020B0604020202020204" pitchFamily="34" charset="0"/>
+                <a:cs typeface="Arial" panose="020B0604020202020204" pitchFamily="34" charset="0"/>
+              </a:rPr>
+              <a:t>salers</a:t>
+            </a:r>
+            <a:endParaRPr lang="en-GB" sz="1400" b="1" dirty="0">
+              <a:solidFill>
+                <a:srgbClr val="0070C0"/>
+              </a:solidFill>
+              <a:latin typeface="Arial" panose="020B0604020202020204" pitchFamily="34" charset="0"/>
+              <a:cs typeface="Arial" panose="020B0604020202020204" pitchFamily="34" charset="0"/>
+            </a:endParaRPr>
+          </a:p>
+        </p:txBody>
+      </p:sp>
+      <p:sp>
+        <p:nvSpPr>
+          <p:cNvPr id="14" name="TextBox 13">
+            <a:extLst>
+              <a:ext uri="{FF2B5EF4-FFF2-40B4-BE49-F238E27FC236}">
+                <a16:creationId xmlns:a16="http://schemas.microsoft.com/office/drawing/2014/main" id="{7D793984-27D0-4DD6-9403-A33A85D871A9}"/>
+              </a:ext>
+            </a:extLst>
+          </p:cNvPr>
+          <p:cNvSpPr txBox="1"/>
+          <p:nvPr/>
+        </p:nvSpPr>
+        <p:spPr>
+          <a:xfrm>
+            <a:off x="3085597" y="3769546"/>
+            <a:ext cx="6020811" cy="307777"/>
+          </a:xfrm>
+          <a:prstGeom prst="rect">
+            <a:avLst/>
+          </a:prstGeom>
+        </p:spPr>
+        <p:txBody>
+          <a:bodyPr wrap="square" rtlCol="0">
+            <a:spAutoFit/>
+          </a:bodyPr>
+          <a:lstStyle/>
+          <a:p>
+            <a:pPr algn="ctr"/>
+            <a:r>
+              <a:rPr lang="en-GB" sz="1400" b="1" dirty="0">
+                <a:solidFill>
+                  <a:srgbClr val="0070C0"/>
+                </a:solidFill>
+                <a:latin typeface="Arial" panose="020B0604020202020204" pitchFamily="34" charset="0"/>
+                <a:cs typeface="Arial" panose="020B0604020202020204" pitchFamily="34" charset="0"/>
+              </a:rPr>
+              <a:t>Permanent/Mobile Retailers</a:t>
+            </a:r>
+          </a:p>
+        </p:txBody>
+      </p:sp>
+      <p:sp>
+        <p:nvSpPr>
+          <p:cNvPr id="15" name="TextBox 14">
+            <a:extLst>
+              <a:ext uri="{FF2B5EF4-FFF2-40B4-BE49-F238E27FC236}">
+                <a16:creationId xmlns:a16="http://schemas.microsoft.com/office/drawing/2014/main" id="{25A1A419-1303-4A9C-AD27-A8D6E96213EF}"/>
+              </a:ext>
+            </a:extLst>
+          </p:cNvPr>
+          <p:cNvSpPr txBox="1"/>
+          <p:nvPr/>
+        </p:nvSpPr>
+        <p:spPr>
+          <a:xfrm>
+            <a:off x="3085598" y="5710773"/>
+            <a:ext cx="1888618" cy="307777"/>
+          </a:xfrm>
+          <a:prstGeom prst="rect">
+            <a:avLst/>
+          </a:prstGeom>
+        </p:spPr>
+        <p:txBody>
+          <a:bodyPr wrap="square" rtlCol="0">
+            <a:spAutoFit/>
+          </a:bodyPr>
+          <a:lstStyle/>
+          <a:p>
+            <a:pPr algn="ctr"/>
+            <a:r>
+              <a:rPr lang="en-GB" sz="1400" b="1" dirty="0">
+                <a:latin typeface="Arial" panose="020B0604020202020204" pitchFamily="34" charset="0"/>
+                <a:cs typeface="Arial" panose="020B0604020202020204" pitchFamily="34" charset="0"/>
+              </a:rPr>
+              <a:t>Fast food stands</a:t>
+            </a:r>
+          </a:p>
+        </p:txBody>
+      </p:sp>
+      <p:sp>
+        <p:nvSpPr>
+          <p:cNvPr id="17" name="TextBox 16">
+            <a:extLst>
+              <a:ext uri="{FF2B5EF4-FFF2-40B4-BE49-F238E27FC236}">
+                <a16:creationId xmlns:a16="http://schemas.microsoft.com/office/drawing/2014/main" id="{15228E28-6F0C-45DD-BBD0-395CFEE797EC}"/>
+              </a:ext>
+            </a:extLst>
+          </p:cNvPr>
+          <p:cNvSpPr txBox="1"/>
+          <p:nvPr/>
+        </p:nvSpPr>
+        <p:spPr>
+          <a:xfrm>
+            <a:off x="5094113" y="5710774"/>
+            <a:ext cx="2703179" cy="307777"/>
+          </a:xfrm>
+          <a:prstGeom prst="rect">
+            <a:avLst/>
+          </a:prstGeom>
+        </p:spPr>
+        <p:txBody>
+          <a:bodyPr wrap="square" rtlCol="0">
+            <a:spAutoFit/>
+          </a:bodyPr>
+          <a:lstStyle/>
+          <a:p>
+            <a:pPr algn="ctr"/>
+            <a:r>
+              <a:rPr lang="en-GB" sz="1400" b="1" dirty="0">
+                <a:latin typeface="Arial" panose="020B0604020202020204" pitchFamily="34" charset="0"/>
+                <a:cs typeface="Arial" panose="020B0604020202020204" pitchFamily="34" charset="0"/>
+              </a:rPr>
+              <a:t>Restaurant, Hotels, Canteen</a:t>
+            </a:r>
+          </a:p>
+        </p:txBody>
+      </p:sp>
+      <p:sp>
+        <p:nvSpPr>
+          <p:cNvPr id="19" name="TextBox 18">
+            <a:extLst>
+              <a:ext uri="{FF2B5EF4-FFF2-40B4-BE49-F238E27FC236}">
+                <a16:creationId xmlns:a16="http://schemas.microsoft.com/office/drawing/2014/main" id="{A1CFA834-422E-46B6-BC89-FB7962208CEB}"/>
+              </a:ext>
+            </a:extLst>
+          </p:cNvPr>
+          <p:cNvSpPr txBox="1"/>
+          <p:nvPr/>
+        </p:nvSpPr>
+        <p:spPr>
+          <a:xfrm>
+            <a:off x="7917189" y="5721009"/>
+            <a:ext cx="1189220" cy="307777"/>
+          </a:xfrm>
+          <a:prstGeom prst="rect">
+            <a:avLst/>
+          </a:prstGeom>
+        </p:spPr>
+        <p:txBody>
+          <a:bodyPr wrap="square" rtlCol="0">
+            <a:spAutoFit/>
+          </a:bodyPr>
+          <a:lstStyle/>
+          <a:p>
+            <a:pPr algn="ctr"/>
+            <a:r>
+              <a:rPr lang="en-GB" sz="1400" b="1" dirty="0">
+                <a:latin typeface="Arial" panose="020B0604020202020204" pitchFamily="34" charset="0"/>
+                <a:cs typeface="Arial" panose="020B0604020202020204" pitchFamily="34" charset="0"/>
+              </a:rPr>
+              <a:t>Household</a:t>
+            </a:r>
+          </a:p>
+        </p:txBody>
+      </p:sp>
+      <p:cxnSp>
+        <p:nvCxnSpPr>
+          <p:cNvPr id="3" name="Straight Arrow Connector 2">
+            <a:extLst>
+              <a:ext uri="{FF2B5EF4-FFF2-40B4-BE49-F238E27FC236}">
+                <a16:creationId xmlns:a16="http://schemas.microsoft.com/office/drawing/2014/main" id="{E15E29B9-CFEA-430F-AF4C-E9F8BFEA99FD}"/>
+              </a:ext>
+            </a:extLst>
+          </p:cNvPr>
+          <p:cNvCxnSpPr>
+            <a:stCxn id="8" idx="2"/>
+            <a:endCxn id="9" idx="0"/>
+          </p:cNvCxnSpPr>
+          <p:nvPr/>
+        </p:nvCxnSpPr>
+        <p:spPr>
+          <a:xfrm>
+            <a:off x="6096000" y="1043586"/>
+            <a:ext cx="0" cy="461094"/>
+          </a:xfrm>
+          <a:prstGeom prst="straightConnector1">
+            <a:avLst/>
+          </a:prstGeom>
+          <a:ln>
+            <a:tailEnd type="triangle"/>
+          </a:ln>
+        </p:spPr>
+        <p:style>
+          <a:lnRef idx="1">
+            <a:schemeClr val="accent1"/>
+          </a:lnRef>
+          <a:fillRef idx="0">
+            <a:schemeClr val="accent1"/>
+          </a:fillRef>
+          <a:effectRef idx="0">
+            <a:schemeClr val="accent1"/>
+          </a:effectRef>
+          <a:fontRef idx="minor">
+            <a:schemeClr val="tx1"/>
+          </a:fontRef>
+        </p:style>
+      </p:cxnSp>
+      <p:cxnSp>
+        <p:nvCxnSpPr>
+          <p:cNvPr id="5" name="Straight Arrow Connector 4">
+            <a:extLst>
+              <a:ext uri="{FF2B5EF4-FFF2-40B4-BE49-F238E27FC236}">
+                <a16:creationId xmlns:a16="http://schemas.microsoft.com/office/drawing/2014/main" id="{97566CD6-5AE0-4B4D-8C94-57F00DA253FD}"/>
+              </a:ext>
+            </a:extLst>
+          </p:cNvPr>
+          <p:cNvCxnSpPr>
+            <a:stCxn id="9" idx="2"/>
+            <a:endCxn id="12" idx="0"/>
+          </p:cNvCxnSpPr>
+          <p:nvPr/>
+        </p:nvCxnSpPr>
+        <p:spPr>
+          <a:xfrm>
+            <a:off x="6096000" y="1812457"/>
+            <a:ext cx="1" cy="1188218"/>
+          </a:xfrm>
+          <a:prstGeom prst="straightConnector1">
+            <a:avLst/>
+          </a:prstGeom>
+          <a:ln>
+            <a:tailEnd type="triangle"/>
+          </a:ln>
+        </p:spPr>
+        <p:style>
+          <a:lnRef idx="1">
+            <a:schemeClr val="accent1"/>
+          </a:lnRef>
+          <a:fillRef idx="0">
+            <a:schemeClr val="accent1"/>
+          </a:fillRef>
+          <a:effectRef idx="0">
+            <a:schemeClr val="accent1"/>
+          </a:effectRef>
+          <a:fontRef idx="minor">
+            <a:schemeClr val="tx1"/>
+          </a:fontRef>
+        </p:style>
+      </p:cxnSp>
+      <p:cxnSp>
+        <p:nvCxnSpPr>
+          <p:cNvPr id="7" name="Straight Arrow Connector 6">
+            <a:extLst>
+              <a:ext uri="{FF2B5EF4-FFF2-40B4-BE49-F238E27FC236}">
+                <a16:creationId xmlns:a16="http://schemas.microsoft.com/office/drawing/2014/main" id="{EE287D0F-F418-445E-8574-C7CF38DE8B80}"/>
+              </a:ext>
+            </a:extLst>
+          </p:cNvPr>
+          <p:cNvCxnSpPr>
+            <a:stCxn id="12" idx="2"/>
+            <a:endCxn id="14" idx="0"/>
+          </p:cNvCxnSpPr>
+          <p:nvPr/>
+        </p:nvCxnSpPr>
+        <p:spPr>
+          <a:xfrm>
+            <a:off x="6096001" y="3308452"/>
+            <a:ext cx="2" cy="461094"/>
+          </a:xfrm>
+          <a:prstGeom prst="straightConnector1">
+            <a:avLst/>
+          </a:prstGeom>
+          <a:ln>
+            <a:tailEnd type="triangle"/>
+          </a:ln>
+        </p:spPr>
+        <p:style>
+          <a:lnRef idx="1">
+            <a:schemeClr val="accent1"/>
+          </a:lnRef>
+          <a:fillRef idx="0">
+            <a:schemeClr val="accent1"/>
+          </a:fillRef>
+          <a:effectRef idx="0">
+            <a:schemeClr val="accent1"/>
+          </a:effectRef>
+          <a:fontRef idx="minor">
+            <a:schemeClr val="tx1"/>
+          </a:fontRef>
+        </p:style>
+      </p:cxnSp>
+      <p:cxnSp>
+        <p:nvCxnSpPr>
+          <p:cNvPr id="22" name="Straight Arrow Connector 21">
+            <a:extLst>
+              <a:ext uri="{FF2B5EF4-FFF2-40B4-BE49-F238E27FC236}">
+                <a16:creationId xmlns:a16="http://schemas.microsoft.com/office/drawing/2014/main" id="{46492C0A-9B17-4AFF-AFDD-4E018F0CC608}"/>
+              </a:ext>
+            </a:extLst>
+          </p:cNvPr>
+          <p:cNvCxnSpPr>
+            <a:stCxn id="14" idx="2"/>
+            <a:endCxn id="15" idx="0"/>
+          </p:cNvCxnSpPr>
+          <p:nvPr/>
+        </p:nvCxnSpPr>
+        <p:spPr>
+          <a:xfrm flipH="1">
+            <a:off x="4029907" y="4077323"/>
+            <a:ext cx="2066096" cy="1633450"/>
+          </a:xfrm>
+          <a:prstGeom prst="straightConnector1">
+            <a:avLst/>
+          </a:prstGeom>
+          <a:ln>
+            <a:tailEnd type="triangle"/>
+          </a:ln>
+        </p:spPr>
+        <p:style>
+          <a:lnRef idx="1">
+            <a:schemeClr val="accent1"/>
+          </a:lnRef>
+          <a:fillRef idx="0">
+            <a:schemeClr val="accent1"/>
+          </a:fillRef>
+          <a:effectRef idx="0">
+            <a:schemeClr val="accent1"/>
+          </a:effectRef>
+          <a:fontRef idx="minor">
+            <a:schemeClr val="tx1"/>
+          </a:fontRef>
+        </p:style>
+      </p:cxnSp>
+      <p:cxnSp>
+        <p:nvCxnSpPr>
+          <p:cNvPr id="24" name="Straight Arrow Connector 23">
+            <a:extLst>
+              <a:ext uri="{FF2B5EF4-FFF2-40B4-BE49-F238E27FC236}">
+                <a16:creationId xmlns:a16="http://schemas.microsoft.com/office/drawing/2014/main" id="{BF7D7D7F-37ED-4D85-B058-0F51A16B761C}"/>
+              </a:ext>
+            </a:extLst>
+          </p:cNvPr>
+          <p:cNvCxnSpPr>
+            <a:stCxn id="14" idx="2"/>
+            <a:endCxn id="17" idx="0"/>
+          </p:cNvCxnSpPr>
+          <p:nvPr/>
+        </p:nvCxnSpPr>
+        <p:spPr>
+          <a:xfrm>
+            <a:off x="6096003" y="4077323"/>
+            <a:ext cx="349700" cy="1633451"/>
+          </a:xfrm>
+          <a:prstGeom prst="straightConnector1">
+            <a:avLst/>
+          </a:prstGeom>
+          <a:ln>
+            <a:tailEnd type="triangle"/>
+          </a:ln>
+        </p:spPr>
+        <p:style>
+          <a:lnRef idx="1">
+            <a:schemeClr val="accent1"/>
+          </a:lnRef>
+          <a:fillRef idx="0">
+            <a:schemeClr val="accent1"/>
+          </a:fillRef>
+          <a:effectRef idx="0">
+            <a:schemeClr val="accent1"/>
+          </a:effectRef>
+          <a:fontRef idx="minor">
+            <a:schemeClr val="tx1"/>
+          </a:fontRef>
+        </p:style>
+      </p:cxnSp>
+      <p:cxnSp>
+        <p:nvCxnSpPr>
+          <p:cNvPr id="27" name="Straight Arrow Connector 26">
+            <a:extLst>
+              <a:ext uri="{FF2B5EF4-FFF2-40B4-BE49-F238E27FC236}">
+                <a16:creationId xmlns:a16="http://schemas.microsoft.com/office/drawing/2014/main" id="{29E9CEBB-5C61-48BE-8C7E-0D0D8F362E4D}"/>
+              </a:ext>
+            </a:extLst>
+          </p:cNvPr>
+          <p:cNvCxnSpPr>
+            <a:stCxn id="14" idx="2"/>
+            <a:endCxn id="19" idx="0"/>
+          </p:cNvCxnSpPr>
+          <p:nvPr/>
+        </p:nvCxnSpPr>
+        <p:spPr>
+          <a:xfrm>
+            <a:off x="6096003" y="4077323"/>
+            <a:ext cx="2415796" cy="1643686"/>
+          </a:xfrm>
+          <a:prstGeom prst="straightConnector1">
+            <a:avLst/>
+          </a:prstGeom>
+          <a:ln>
+            <a:tailEnd type="triangle"/>
+          </a:ln>
+        </p:spPr>
+        <p:style>
+          <a:lnRef idx="1">
+            <a:schemeClr val="accent1"/>
+          </a:lnRef>
+          <a:fillRef idx="0">
+            <a:schemeClr val="accent1"/>
+          </a:fillRef>
+          <a:effectRef idx="0">
+            <a:schemeClr val="accent1"/>
+          </a:effectRef>
+          <a:fontRef idx="minor">
+            <a:schemeClr val="tx1"/>
+          </a:fontRef>
+        </p:style>
+      </p:cxnSp>
+      <p:cxnSp>
+        <p:nvCxnSpPr>
+          <p:cNvPr id="29" name="Straight Connector 28">
+            <a:extLst>
+              <a:ext uri="{FF2B5EF4-FFF2-40B4-BE49-F238E27FC236}">
+                <a16:creationId xmlns:a16="http://schemas.microsoft.com/office/drawing/2014/main" id="{288C5917-D127-48D9-A949-9921B0AC1C20}"/>
+              </a:ext>
+            </a:extLst>
+          </p:cNvPr>
+          <p:cNvCxnSpPr>
+            <a:stCxn id="10" idx="1"/>
+          </p:cNvCxnSpPr>
+          <p:nvPr/>
+        </p:nvCxnSpPr>
+        <p:spPr>
+          <a:xfrm flipH="1">
+            <a:off x="6096000" y="2409379"/>
+            <a:ext cx="1054311" cy="4037"/>
+          </a:xfrm>
+          <a:prstGeom prst="line">
+            <a:avLst/>
+          </a:prstGeom>
+        </p:spPr>
+        <p:style>
+          <a:lnRef idx="1">
+            <a:schemeClr val="accent1"/>
+          </a:lnRef>
+          <a:fillRef idx="0">
+            <a:schemeClr val="accent1"/>
+          </a:fillRef>
+          <a:effectRef idx="0">
+            <a:schemeClr val="accent1"/>
+          </a:effectRef>
+          <a:fontRef idx="minor">
+            <a:schemeClr val="tx1"/>
+          </a:fontRef>
+        </p:style>
+      </p:cxnSp>
+      <p:sp>
+        <p:nvSpPr>
+          <p:cNvPr id="41" name="TextBox 40">
+            <a:extLst>
+              <a:ext uri="{FF2B5EF4-FFF2-40B4-BE49-F238E27FC236}">
+                <a16:creationId xmlns:a16="http://schemas.microsoft.com/office/drawing/2014/main" id="{5691574C-5610-42D0-8F5B-C5F8668FEDD3}"/>
+              </a:ext>
+            </a:extLst>
+          </p:cNvPr>
+          <p:cNvSpPr txBox="1"/>
+          <p:nvPr/>
+        </p:nvSpPr>
+        <p:spPr>
+          <a:xfrm rot="16200000">
+            <a:off x="2501319" y="1074292"/>
+            <a:ext cx="860774" cy="307777"/>
+          </a:xfrm>
+          <a:prstGeom prst="rect">
+            <a:avLst/>
+          </a:prstGeom>
+        </p:spPr>
+        <p:txBody>
+          <a:bodyPr wrap="square" rtlCol="0">
+            <a:spAutoFit/>
+          </a:bodyPr>
+          <a:lstStyle/>
+          <a:p>
+            <a:pPr algn="ctr"/>
+            <a:r>
+              <a:rPr lang="en-GB" sz="1400" b="1" dirty="0">
+                <a:solidFill>
+                  <a:srgbClr val="00B050"/>
+                </a:solidFill>
+                <a:latin typeface="Arial" panose="020B0604020202020204" pitchFamily="34" charset="0"/>
+                <a:cs typeface="Arial" panose="020B0604020202020204" pitchFamily="34" charset="0"/>
+              </a:rPr>
+              <a:t>Farms</a:t>
+            </a:r>
+          </a:p>
+        </p:txBody>
+      </p:sp>
+      <p:sp>
+        <p:nvSpPr>
+          <p:cNvPr id="44" name="TextBox 43">
+            <a:extLst>
+              <a:ext uri="{FF2B5EF4-FFF2-40B4-BE49-F238E27FC236}">
+                <a16:creationId xmlns:a16="http://schemas.microsoft.com/office/drawing/2014/main" id="{C626FBE1-11BF-4B6A-ACCE-E618FDE7CF98}"/>
+              </a:ext>
+            </a:extLst>
+          </p:cNvPr>
+          <p:cNvSpPr txBox="1"/>
+          <p:nvPr/>
+        </p:nvSpPr>
+        <p:spPr>
+          <a:xfrm rot="16200000">
+            <a:off x="2419777" y="3269619"/>
+            <a:ext cx="1012876" cy="318761"/>
+          </a:xfrm>
+          <a:prstGeom prst="rect">
+            <a:avLst/>
+          </a:prstGeom>
+        </p:spPr>
+        <p:txBody>
+          <a:bodyPr wrap="square" rtlCol="0">
+            <a:spAutoFit/>
+          </a:bodyPr>
+          <a:lstStyle/>
+          <a:p>
+            <a:pPr algn="ctr"/>
+            <a:r>
+              <a:rPr lang="en-GB" sz="1400" b="1" dirty="0">
+                <a:solidFill>
+                  <a:srgbClr val="0070C0"/>
+                </a:solidFill>
+                <a:latin typeface="Arial" panose="020B0604020202020204" pitchFamily="34" charset="0"/>
+                <a:cs typeface="Arial" panose="020B0604020202020204" pitchFamily="34" charset="0"/>
+              </a:rPr>
+              <a:t>Market</a:t>
+            </a:r>
+          </a:p>
+        </p:txBody>
+      </p:sp>
+      <p:sp>
+        <p:nvSpPr>
+          <p:cNvPr id="46" name="TextBox 45">
+            <a:extLst>
+              <a:ext uri="{FF2B5EF4-FFF2-40B4-BE49-F238E27FC236}">
+                <a16:creationId xmlns:a16="http://schemas.microsoft.com/office/drawing/2014/main" id="{67BB7BAF-3EBD-46B6-B43E-8339DF9B64E4}"/>
+              </a:ext>
+            </a:extLst>
+          </p:cNvPr>
+          <p:cNvSpPr txBox="1"/>
+          <p:nvPr/>
+        </p:nvSpPr>
+        <p:spPr>
+          <a:xfrm rot="16200000">
+            <a:off x="2337097" y="5334769"/>
+            <a:ext cx="1189220" cy="307777"/>
+          </a:xfrm>
+          <a:prstGeom prst="rect">
+            <a:avLst/>
+          </a:prstGeom>
+        </p:spPr>
+        <p:txBody>
+          <a:bodyPr wrap="square" rtlCol="0">
+            <a:spAutoFit/>
+          </a:bodyPr>
+          <a:lstStyle/>
+          <a:p>
+            <a:pPr algn="ctr"/>
+            <a:r>
+              <a:rPr lang="en-GB" sz="1400" b="1" dirty="0">
+                <a:latin typeface="Arial" panose="020B0604020202020204" pitchFamily="34" charset="0"/>
+                <a:cs typeface="Arial" panose="020B0604020202020204" pitchFamily="34" charset="0"/>
+              </a:rPr>
+              <a:t>Consumer</a:t>
+            </a:r>
+          </a:p>
+        </p:txBody>
+      </p:sp>
+      <p:cxnSp>
+        <p:nvCxnSpPr>
+          <p:cNvPr id="48" name="Straight Arrow Connector 47">
+            <a:extLst>
+              <a:ext uri="{FF2B5EF4-FFF2-40B4-BE49-F238E27FC236}">
+                <a16:creationId xmlns:a16="http://schemas.microsoft.com/office/drawing/2014/main" id="{1AF45191-1EDC-4357-8C5F-3C597948EAA8}"/>
+              </a:ext>
+            </a:extLst>
+          </p:cNvPr>
+          <p:cNvCxnSpPr>
+            <a:stCxn id="9" idx="2"/>
+            <a:endCxn id="46" idx="2"/>
+          </p:cNvCxnSpPr>
+          <p:nvPr/>
+        </p:nvCxnSpPr>
+        <p:spPr>
+          <a:xfrm flipH="1">
+            <a:off x="3085596" y="1812457"/>
+            <a:ext cx="3010404" cy="3676201"/>
+          </a:xfrm>
+          <a:prstGeom prst="straightConnector1">
+            <a:avLst/>
+          </a:prstGeom>
+          <a:ln>
+            <a:tailEnd type="triangle"/>
+          </a:ln>
+        </p:spPr>
+        <p:style>
+          <a:lnRef idx="1">
+            <a:schemeClr val="accent1"/>
+          </a:lnRef>
+          <a:fillRef idx="0">
+            <a:schemeClr val="accent1"/>
+          </a:fillRef>
+          <a:effectRef idx="0">
+            <a:schemeClr val="accent1"/>
+          </a:effectRef>
+          <a:fontRef idx="minor">
+            <a:schemeClr val="tx1"/>
+          </a:fontRef>
+        </p:style>
+      </p:cxnSp>
+    </p:spTree>
+    <p:extLst>
+      <p:ext uri="{BB962C8B-B14F-4D97-AF65-F5344CB8AC3E}">
+        <p14:creationId xmlns:p14="http://schemas.microsoft.com/office/powerpoint/2010/main" val="2674270213"/>
+      </p:ext>
+    </p:extLst>
+  </p:cSld>
+  <p:clrMapOvr>
+    <a:masterClrMapping/>
+  </p:clrMapOvr>
+</p:sld>
+</file>
+
 <file path=ppt/theme/theme1.xml><?xml version="1.0" encoding="utf-8"?>
 <a:theme xmlns:a="http://schemas.openxmlformats.org/drawingml/2006/main" name="Office Theme">
   <a:themeElements>
